--- a/data_management.pptx
+++ b/data_management.pptx
@@ -115,6 +115,11 @@
       </a:defRPr>
     </a:lvl9pPr>
   </p:defaultTextStyle>
+  <p:extLst>
+    <p:ext uri="{EFAFB233-063F-42B5-8137-9DF3F51BA10A}">
+      <p15:sldGuideLst xmlns:p15="http://schemas.microsoft.com/office/powerpoint/2012/main"/>
+    </p:ext>
+  </p:extLst>
 </p:presentation>
 </file>
 
@@ -3448,9 +3453,18 @@
         </p:spPr>
         <p:txBody>
           <a:bodyPr>
-            <a:normAutofit/>
+            <a:normAutofit fontScale="92500" lnSpcReduction="20000"/>
           </a:bodyPr>
           <a:lstStyle/>
+          <a:p>
+            <a:r>
+              <a:rPr lang="en-GB" sz="2400" b="1" dirty="0"/>
+              <a:t>Best Practices in Research Data Management for the Biological Sciences</a:t>
+            </a:r>
+          </a:p>
+          <a:p>
+            <a:endParaRPr lang="en-US" dirty="0"/>
+          </a:p>
           <a:p>
             <a:r>
               <a:rPr lang="en-US" dirty="0"/>
@@ -3464,10 +3478,6 @@
               <a:rPr lang="en-US" dirty="0"/>
               <a:t> May 2023</a:t>
             </a:r>
-          </a:p>
-          <a:p>
-            <a:pPr algn="r"/>
-            <a:endParaRPr lang="en-US" dirty="0"/>
           </a:p>
           <a:p>
             <a:pPr algn="r"/>
